--- a/description media/Plateforme_de_Média_Social_-_Application_Web_Moderne_avec_Fonctionnalités_en_Temps_Réel.pptx
+++ b/description media/Plateforme_de_Média_Social_-_Application_Web_Moderne_avec_Fonctionnalités_en_Temps_Réel.pptx
@@ -3965,7 +3965,7 @@
         </p:blipFill>
         <p:spPr>
           <a:xfrm>
-            <a:off x="3377568" y="705043"/>
+            <a:off x="3448594" y="747906"/>
             <a:ext cx="5695406" cy="3219981"/>
           </a:xfrm>
           <a:prstGeom prst="rect">
